--- a/sdlc/sdlc.pptx
+++ b/sdlc/sdlc.pptx
@@ -293,7 +293,7 @@
             <a:fld id="{1D8BD707-D9CF-40AE-B4C6-C98DA3205C09}" type="datetimeFigureOut">
               <a:rPr lang="en-US" smtClean="0"/>
               <a:pPr/>
-              <a:t>11/20/2021</a:t>
+              <a:t>4/7/2022</a:t>
             </a:fld>
             <a:endParaRPr lang="en-US"/>
           </a:p>
@@ -460,7 +460,7 @@
             <a:fld id="{1D8BD707-D9CF-40AE-B4C6-C98DA3205C09}" type="datetimeFigureOut">
               <a:rPr lang="en-US" smtClean="0"/>
               <a:pPr/>
-              <a:t>11/20/2021</a:t>
+              <a:t>4/7/2022</a:t>
             </a:fld>
             <a:endParaRPr lang="en-US"/>
           </a:p>
@@ -637,7 +637,7 @@
             <a:fld id="{1D8BD707-D9CF-40AE-B4C6-C98DA3205C09}" type="datetimeFigureOut">
               <a:rPr lang="en-US" smtClean="0"/>
               <a:pPr/>
-              <a:t>11/20/2021</a:t>
+              <a:t>4/7/2022</a:t>
             </a:fld>
             <a:endParaRPr lang="en-US"/>
           </a:p>
@@ -804,7 +804,7 @@
             <a:fld id="{1D8BD707-D9CF-40AE-B4C6-C98DA3205C09}" type="datetimeFigureOut">
               <a:rPr lang="en-US" smtClean="0"/>
               <a:pPr/>
-              <a:t>11/20/2021</a:t>
+              <a:t>4/7/2022</a:t>
             </a:fld>
             <a:endParaRPr lang="en-US"/>
           </a:p>
@@ -1047,7 +1047,7 @@
             <a:fld id="{1D8BD707-D9CF-40AE-B4C6-C98DA3205C09}" type="datetimeFigureOut">
               <a:rPr lang="en-US" smtClean="0"/>
               <a:pPr/>
-              <a:t>11/20/2021</a:t>
+              <a:t>4/7/2022</a:t>
             </a:fld>
             <a:endParaRPr lang="en-US"/>
           </a:p>
@@ -1332,7 +1332,7 @@
             <a:fld id="{1D8BD707-D9CF-40AE-B4C6-C98DA3205C09}" type="datetimeFigureOut">
               <a:rPr lang="en-US" smtClean="0"/>
               <a:pPr/>
-              <a:t>11/20/2021</a:t>
+              <a:t>4/7/2022</a:t>
             </a:fld>
             <a:endParaRPr lang="en-US"/>
           </a:p>
@@ -1751,7 +1751,7 @@
             <a:fld id="{1D8BD707-D9CF-40AE-B4C6-C98DA3205C09}" type="datetimeFigureOut">
               <a:rPr lang="en-US" smtClean="0"/>
               <a:pPr/>
-              <a:t>11/20/2021</a:t>
+              <a:t>4/7/2022</a:t>
             </a:fld>
             <a:endParaRPr lang="en-US"/>
           </a:p>
@@ -1866,7 +1866,7 @@
             <a:fld id="{1D8BD707-D9CF-40AE-B4C6-C98DA3205C09}" type="datetimeFigureOut">
               <a:rPr lang="en-US" smtClean="0"/>
               <a:pPr/>
-              <a:t>11/20/2021</a:t>
+              <a:t>4/7/2022</a:t>
             </a:fld>
             <a:endParaRPr lang="en-US"/>
           </a:p>
@@ -1958,7 +1958,7 @@
             <a:fld id="{1D8BD707-D9CF-40AE-B4C6-C98DA3205C09}" type="datetimeFigureOut">
               <a:rPr lang="en-US" smtClean="0"/>
               <a:pPr/>
-              <a:t>11/20/2021</a:t>
+              <a:t>4/7/2022</a:t>
             </a:fld>
             <a:endParaRPr lang="en-US"/>
           </a:p>
@@ -2232,7 +2232,7 @@
             <a:fld id="{1D8BD707-D9CF-40AE-B4C6-C98DA3205C09}" type="datetimeFigureOut">
               <a:rPr lang="en-US" smtClean="0"/>
               <a:pPr/>
-              <a:t>11/20/2021</a:t>
+              <a:t>4/7/2022</a:t>
             </a:fld>
             <a:endParaRPr lang="en-US"/>
           </a:p>
@@ -2482,7 +2482,7 @@
             <a:fld id="{1D8BD707-D9CF-40AE-B4C6-C98DA3205C09}" type="datetimeFigureOut">
               <a:rPr lang="en-US" smtClean="0"/>
               <a:pPr/>
-              <a:t>11/20/2021</a:t>
+              <a:t>4/7/2022</a:t>
             </a:fld>
             <a:endParaRPr lang="en-US"/>
           </a:p>
@@ -2692,7 +2692,7 @@
             <a:fld id="{1D8BD707-D9CF-40AE-B4C6-C98DA3205C09}" type="datetimeFigureOut">
               <a:rPr lang="en-US" smtClean="0"/>
               <a:pPr/>
-              <a:t>11/20/2021</a:t>
+              <a:t>4/7/2022</a:t>
             </a:fld>
             <a:endParaRPr lang="en-US"/>
           </a:p>
@@ -3198,7 +3198,11 @@
             <a:pPr algn="ctr"/>
             <a:r>
               <a:rPr lang="en-US" dirty="0" smtClean="0"/>
-              <a:t>Requirements collection</a:t>
+              <a:t>Requirement </a:t>
+            </a:r>
+            <a:r>
+              <a:rPr lang="en-US" dirty="0" smtClean="0"/>
+              <a:t>collection</a:t>
             </a:r>
             <a:endParaRPr lang="en-IN" dirty="0"/>
           </a:p>
@@ -3402,7 +3406,11 @@
             <a:pPr algn="ctr"/>
             <a:r>
               <a:rPr lang="en-US" dirty="0" smtClean="0"/>
-              <a:t>Requirement analysis </a:t>
+              <a:t>Requirement </a:t>
+            </a:r>
+            <a:r>
+              <a:rPr lang="en-US" dirty="0" smtClean="0"/>
+              <a:t>Analysis </a:t>
             </a:r>
             <a:endParaRPr lang="en-IN" dirty="0"/>
           </a:p>
@@ -3643,7 +3651,7 @@
             <a:pPr algn="ctr"/>
             <a:r>
               <a:rPr lang="en-US" dirty="0" smtClean="0"/>
-              <a:t>GUI/DB/APP</a:t>
+              <a:t>GUI/DB/APP/HLD</a:t>
             </a:r>
             <a:endParaRPr lang="en-IN" dirty="0"/>
           </a:p>
@@ -3839,7 +3847,7 @@
             <a:pPr algn="ctr"/>
             <a:r>
               <a:rPr lang="en-US" dirty="0" smtClean="0"/>
-              <a:t>Design Architect </a:t>
+              <a:t>Architect </a:t>
             </a:r>
             <a:endParaRPr lang="en-IN" dirty="0"/>
           </a:p>
@@ -3918,8 +3926,12 @@
           <a:p>
             <a:pPr algn="ctr"/>
             <a:r>
+              <a:rPr lang="en-US" dirty="0"/>
+              <a:t>C</a:t>
+            </a:r>
+            <a:r>
               <a:rPr lang="en-US" dirty="0" smtClean="0"/>
-              <a:t>coding</a:t>
+              <a:t>oding</a:t>
             </a:r>
             <a:endParaRPr lang="en-IN" dirty="0"/>
           </a:p>
@@ -3963,7 +3975,11 @@
             <a:pPr algn="ctr"/>
             <a:r>
               <a:rPr lang="en-US" dirty="0" smtClean="0"/>
-              <a:t>SCD</a:t>
+              <a:t>LL</a:t>
+            </a:r>
+            <a:r>
+              <a:rPr lang="en-US" dirty="0" smtClean="0"/>
+              <a:t>D</a:t>
             </a:r>
             <a:endParaRPr lang="en-IN" dirty="0"/>
           </a:p>
@@ -4319,7 +4335,11 @@
             <a:pPr algn="ctr"/>
             <a:r>
               <a:rPr lang="en-US" dirty="0" smtClean="0"/>
-              <a:t>Quality analyst </a:t>
+              <a:t>Tester</a:t>
+            </a:r>
+            <a:r>
+              <a:rPr lang="en-US" dirty="0" smtClean="0"/>
+              <a:t> </a:t>
             </a:r>
             <a:endParaRPr lang="en-IN" dirty="0"/>
           </a:p>
@@ -4398,8 +4418,12 @@
           <a:p>
             <a:pPr algn="ctr"/>
             <a:r>
+              <a:rPr lang="en-US" dirty="0"/>
+              <a:t>D</a:t>
+            </a:r>
+            <a:r>
               <a:rPr lang="en-US" dirty="0" smtClean="0"/>
-              <a:t>delivery</a:t>
+              <a:t>elivery</a:t>
             </a:r>
             <a:endParaRPr lang="en-IN" dirty="0"/>
           </a:p>
@@ -4466,7 +4490,7 @@
             <a:pPr algn="ctr"/>
             <a:r>
               <a:rPr lang="en-US" sz="3600" dirty="0" smtClean="0"/>
-              <a:t>SDLC life cycle</a:t>
+              <a:t>SDLC</a:t>
             </a:r>
             <a:endParaRPr lang="en-IN" sz="3600" dirty="0"/>
           </a:p>

--- a/sdlc/sdlc.pptx
+++ b/sdlc/sdlc.pptx
@@ -293,7 +293,7 @@
             <a:fld id="{1D8BD707-D9CF-40AE-B4C6-C98DA3205C09}" type="datetimeFigureOut">
               <a:rPr lang="en-US" smtClean="0"/>
               <a:pPr/>
-              <a:t>4/7/2022</a:t>
+              <a:t>5/2/2022</a:t>
             </a:fld>
             <a:endParaRPr lang="en-US"/>
           </a:p>
@@ -460,7 +460,7 @@
             <a:fld id="{1D8BD707-D9CF-40AE-B4C6-C98DA3205C09}" type="datetimeFigureOut">
               <a:rPr lang="en-US" smtClean="0"/>
               <a:pPr/>
-              <a:t>4/7/2022</a:t>
+              <a:t>5/2/2022</a:t>
             </a:fld>
             <a:endParaRPr lang="en-US"/>
           </a:p>
@@ -637,7 +637,7 @@
             <a:fld id="{1D8BD707-D9CF-40AE-B4C6-C98DA3205C09}" type="datetimeFigureOut">
               <a:rPr lang="en-US" smtClean="0"/>
               <a:pPr/>
-              <a:t>4/7/2022</a:t>
+              <a:t>5/2/2022</a:t>
             </a:fld>
             <a:endParaRPr lang="en-US"/>
           </a:p>
@@ -804,7 +804,7 @@
             <a:fld id="{1D8BD707-D9CF-40AE-B4C6-C98DA3205C09}" type="datetimeFigureOut">
               <a:rPr lang="en-US" smtClean="0"/>
               <a:pPr/>
-              <a:t>4/7/2022</a:t>
+              <a:t>5/2/2022</a:t>
             </a:fld>
             <a:endParaRPr lang="en-US"/>
           </a:p>
@@ -1047,7 +1047,7 @@
             <a:fld id="{1D8BD707-D9CF-40AE-B4C6-C98DA3205C09}" type="datetimeFigureOut">
               <a:rPr lang="en-US" smtClean="0"/>
               <a:pPr/>
-              <a:t>4/7/2022</a:t>
+              <a:t>5/2/2022</a:t>
             </a:fld>
             <a:endParaRPr lang="en-US"/>
           </a:p>
@@ -1332,7 +1332,7 @@
             <a:fld id="{1D8BD707-D9CF-40AE-B4C6-C98DA3205C09}" type="datetimeFigureOut">
               <a:rPr lang="en-US" smtClean="0"/>
               <a:pPr/>
-              <a:t>4/7/2022</a:t>
+              <a:t>5/2/2022</a:t>
             </a:fld>
             <a:endParaRPr lang="en-US"/>
           </a:p>
@@ -1751,7 +1751,7 @@
             <a:fld id="{1D8BD707-D9CF-40AE-B4C6-C98DA3205C09}" type="datetimeFigureOut">
               <a:rPr lang="en-US" smtClean="0"/>
               <a:pPr/>
-              <a:t>4/7/2022</a:t>
+              <a:t>5/2/2022</a:t>
             </a:fld>
             <a:endParaRPr lang="en-US"/>
           </a:p>
@@ -1866,7 +1866,7 @@
             <a:fld id="{1D8BD707-D9CF-40AE-B4C6-C98DA3205C09}" type="datetimeFigureOut">
               <a:rPr lang="en-US" smtClean="0"/>
               <a:pPr/>
-              <a:t>4/7/2022</a:t>
+              <a:t>5/2/2022</a:t>
             </a:fld>
             <a:endParaRPr lang="en-US"/>
           </a:p>
@@ -1958,7 +1958,7 @@
             <a:fld id="{1D8BD707-D9CF-40AE-B4C6-C98DA3205C09}" type="datetimeFigureOut">
               <a:rPr lang="en-US" smtClean="0"/>
               <a:pPr/>
-              <a:t>4/7/2022</a:t>
+              <a:t>5/2/2022</a:t>
             </a:fld>
             <a:endParaRPr lang="en-US"/>
           </a:p>
@@ -2232,7 +2232,7 @@
             <a:fld id="{1D8BD707-D9CF-40AE-B4C6-C98DA3205C09}" type="datetimeFigureOut">
               <a:rPr lang="en-US" smtClean="0"/>
               <a:pPr/>
-              <a:t>4/7/2022</a:t>
+              <a:t>5/2/2022</a:t>
             </a:fld>
             <a:endParaRPr lang="en-US"/>
           </a:p>
@@ -2482,7 +2482,7 @@
             <a:fld id="{1D8BD707-D9CF-40AE-B4C6-C98DA3205C09}" type="datetimeFigureOut">
               <a:rPr lang="en-US" smtClean="0"/>
               <a:pPr/>
-              <a:t>4/7/2022</a:t>
+              <a:t>5/2/2022</a:t>
             </a:fld>
             <a:endParaRPr lang="en-US"/>
           </a:p>
@@ -2692,7 +2692,7 @@
             <a:fld id="{1D8BD707-D9CF-40AE-B4C6-C98DA3205C09}" type="datetimeFigureOut">
               <a:rPr lang="en-US" smtClean="0"/>
               <a:pPr/>
-              <a:t>4/7/2022</a:t>
+              <a:t>5/2/2022</a:t>
             </a:fld>
             <a:endParaRPr lang="en-US"/>
           </a:p>
@@ -3153,8 +3153,12 @@
           <a:p>
             <a:pPr algn="ctr"/>
             <a:r>
+              <a:rPr lang="en-US" dirty="0"/>
+              <a:t>C</a:t>
+            </a:r>
+            <a:r>
               <a:rPr lang="en-US" dirty="0" smtClean="0"/>
-              <a:t>client</a:t>
+              <a:t>lient</a:t>
             </a:r>
             <a:endParaRPr lang="en-IN" dirty="0"/>
           </a:p>
@@ -3202,7 +3206,7 @@
             </a:r>
             <a:r>
               <a:rPr lang="en-US" dirty="0" smtClean="0"/>
-              <a:t>collection</a:t>
+              <a:t>Collection</a:t>
             </a:r>
             <a:endParaRPr lang="en-IN" dirty="0"/>
           </a:p>
@@ -3406,11 +3410,7 @@
             <a:pPr algn="ctr"/>
             <a:r>
               <a:rPr lang="en-US" dirty="0" smtClean="0"/>
-              <a:t>Requirement </a:t>
-            </a:r>
-            <a:r>
-              <a:rPr lang="en-US" dirty="0" smtClean="0"/>
-              <a:t>Analysis </a:t>
+              <a:t>Requirement Analysis </a:t>
             </a:r>
             <a:endParaRPr lang="en-IN" dirty="0"/>
           </a:p>
@@ -3738,7 +3738,7 @@
         <p:spPr>
           <a:xfrm>
             <a:off x="2295144" y="1790700"/>
-            <a:ext cx="1133856" cy="457200"/>
+            <a:ext cx="1021842" cy="457200"/>
           </a:xfrm>
           <a:prstGeom prst="rect">
             <a:avLst/>
@@ -3784,8 +3784,8 @@
         </p:nvCxnSpPr>
         <p:spPr>
           <a:xfrm>
-            <a:off x="3429000" y="2019300"/>
-            <a:ext cx="342900" cy="0"/>
+            <a:off x="3316986" y="2019300"/>
+            <a:ext cx="454914" cy="0"/>
           </a:xfrm>
           <a:prstGeom prst="straightConnector1">
             <a:avLst/>
@@ -3975,11 +3975,7 @@
             <a:pPr algn="ctr"/>
             <a:r>
               <a:rPr lang="en-US" dirty="0" smtClean="0"/>
-              <a:t>LL</a:t>
-            </a:r>
-            <a:r>
-              <a:rPr lang="en-US" dirty="0" smtClean="0"/>
-              <a:t>D</a:t>
+              <a:t>LLD</a:t>
             </a:r>
             <a:endParaRPr lang="en-IN" dirty="0"/>
           </a:p>
@@ -4219,7 +4215,11 @@
             <a:pPr algn="ctr"/>
             <a:r>
               <a:rPr lang="en-US" dirty="0" smtClean="0"/>
-              <a:t>System testing</a:t>
+              <a:t>System </a:t>
+            </a:r>
+            <a:r>
+              <a:rPr lang="en-US" dirty="0" smtClean="0"/>
+              <a:t>Testing</a:t>
             </a:r>
             <a:endParaRPr lang="en-IN" dirty="0"/>
           </a:p>
@@ -4335,11 +4335,7 @@
             <a:pPr algn="ctr"/>
             <a:r>
               <a:rPr lang="en-US" dirty="0" smtClean="0"/>
-              <a:t>Tester</a:t>
-            </a:r>
-            <a:r>
-              <a:rPr lang="en-US" dirty="0" smtClean="0"/>
-              <a:t> </a:t>
+              <a:t>Tester </a:t>
             </a:r>
             <a:endParaRPr lang="en-IN" dirty="0"/>
           </a:p>
@@ -5011,8 +5007,9 @@
             </a:pPr>
             <a:r>
               <a:rPr lang="en-US" sz="2000" dirty="0" smtClean="0"/>
-              <a:t>HDL</a:t>
-            </a:r>
+              <a:t>HLD</a:t>
+            </a:r>
+            <a:endParaRPr lang="en-US" sz="2000" dirty="0" smtClean="0"/>
           </a:p>
           <a:p>
             <a:pPr marL="914400" lvl="1" indent="-514350">
